--- a/2020/SQLBelgium/SQLSatBE 30 Days Azure Challenge.pptx
+++ b/2020/SQLBelgium/SQLSatBE 30 Days Azure Challenge.pptx
@@ -1085,7 +1085,7 @@
           <a:p>
             <a:fld id="{2FDEA226-1950-9346-BBCC-45D214247BC3}" type="datetimeFigureOut">
               <a:rPr lang="en-US" smtClean="0"/>
-              <a:t>2/29/2020</a:t>
+              <a:t>3/8/2020</a:t>
             </a:fld>
             <a:endParaRPr lang="en-US"/>
           </a:p>
@@ -1185,7 +1185,7 @@
           <a:p>
             <a:fld id="{A76353FC-0869-45D3-95AF-CC29198471C2}" type="datetimeFigureOut">
               <a:rPr lang="en-US" smtClean="0"/>
-              <a:t>2/29/2020</a:t>
+              <a:t>3/8/2020</a:t>
             </a:fld>
             <a:endParaRPr lang="en-US"/>
           </a:p>
@@ -8356,18 +8356,12 @@
               <a:buChar char="•"/>
             </a:pPr>
             <a:r>
-              <a:rPr lang="en-GB" dirty="0"/>
-              <a:t>Co-organiser of Manchester PASS Data Platform User Group and SQL Saturday Manchester, </a:t>
+              <a:rPr lang="en-GB"/>
+              <a:t>Co-Leader </a:t>
             </a:r>
-          </a:p>
-          <a:p>
-            <a:pPr marL="243000" indent="-243000">
-              <a:buFont typeface="Arial" panose="020B0604020202020204" pitchFamily="34" charset="0"/>
-              <a:buChar char="•"/>
-            </a:pPr>
             <a:r>
               <a:rPr lang="en-GB" dirty="0"/>
-              <a:t>International playboy/speaker</a:t>
+              <a:t>of Manchester PASS Data Platform User Group and SQL Saturday Manchester, </a:t>
             </a:r>
           </a:p>
           <a:p>
@@ -8976,121 +8970,6 @@
                                           <p:spTgt spid="4">
                                             <p:txEl>
                                               <p:pRg st="4" end="4"/>
-                                            </p:txEl>
-                                          </p:spTgt>
-                                        </p:tgtEl>
-                                        <p:attrNameLst>
-                                          <p:attrName>ppt_y</p:attrName>
-                                        </p:attrNameLst>
-                                      </p:cBhvr>
-                                      <p:tavLst>
-                                        <p:tav tm="0">
-                                          <p:val>
-                                            <p:strVal val="#ppt_y+.1"/>
-                                          </p:val>
-                                        </p:tav>
-                                        <p:tav tm="100000">
-                                          <p:val>
-                                            <p:strVal val="#ppt_y"/>
-                                          </p:val>
-                                        </p:tav>
-                                      </p:tavLst>
-                                    </p:anim>
-                                  </p:childTnLst>
-                                </p:cTn>
-                              </p:par>
-                            </p:childTnLst>
-                          </p:cTn>
-                        </p:par>
-                      </p:childTnLst>
-                    </p:cTn>
-                  </p:par>
-                  <p:par>
-                    <p:cTn id="38" fill="hold">
-                      <p:stCondLst>
-                        <p:cond delay="indefinite"/>
-                      </p:stCondLst>
-                      <p:childTnLst>
-                        <p:par>
-                          <p:cTn id="39" fill="hold">
-                            <p:stCondLst>
-                              <p:cond delay="0"/>
-                            </p:stCondLst>
-                            <p:childTnLst>
-                              <p:par>
-                                <p:cTn id="40" presetID="42" presetClass="entr" presetSubtype="0" fill="hold" nodeType="clickEffect">
-                                  <p:stCondLst>
-                                    <p:cond delay="0"/>
-                                  </p:stCondLst>
-                                  <p:childTnLst>
-                                    <p:set>
-                                      <p:cBhvr>
-                                        <p:cTn id="41" dur="1" fill="hold">
-                                          <p:stCondLst>
-                                            <p:cond delay="0"/>
-                                          </p:stCondLst>
-                                        </p:cTn>
-                                        <p:tgtEl>
-                                          <p:spTgt spid="4">
-                                            <p:txEl>
-                                              <p:pRg st="5" end="5"/>
-                                            </p:txEl>
-                                          </p:spTgt>
-                                        </p:tgtEl>
-                                        <p:attrNameLst>
-                                          <p:attrName>style.visibility</p:attrName>
-                                        </p:attrNameLst>
-                                      </p:cBhvr>
-                                      <p:to>
-                                        <p:strVal val="visible"/>
-                                      </p:to>
-                                    </p:set>
-                                    <p:animEffect transition="in" filter="fade">
-                                      <p:cBhvr>
-                                        <p:cTn id="42" dur="1000"/>
-                                        <p:tgtEl>
-                                          <p:spTgt spid="4">
-                                            <p:txEl>
-                                              <p:pRg st="5" end="5"/>
-                                            </p:txEl>
-                                          </p:spTgt>
-                                        </p:tgtEl>
-                                      </p:cBhvr>
-                                    </p:animEffect>
-                                    <p:anim calcmode="lin" valueType="num">
-                                      <p:cBhvr>
-                                        <p:cTn id="43" dur="1000" fill="hold"/>
-                                        <p:tgtEl>
-                                          <p:spTgt spid="4">
-                                            <p:txEl>
-                                              <p:pRg st="5" end="5"/>
-                                            </p:txEl>
-                                          </p:spTgt>
-                                        </p:tgtEl>
-                                        <p:attrNameLst>
-                                          <p:attrName>ppt_x</p:attrName>
-                                        </p:attrNameLst>
-                                      </p:cBhvr>
-                                      <p:tavLst>
-                                        <p:tav tm="0">
-                                          <p:val>
-                                            <p:strVal val="#ppt_x"/>
-                                          </p:val>
-                                        </p:tav>
-                                        <p:tav tm="100000">
-                                          <p:val>
-                                            <p:strVal val="#ppt_x"/>
-                                          </p:val>
-                                        </p:tav>
-                                      </p:tavLst>
-                                    </p:anim>
-                                    <p:anim calcmode="lin" valueType="num">
-                                      <p:cBhvr>
-                                        <p:cTn id="44" dur="1000" fill="hold"/>
-                                        <p:tgtEl>
-                                          <p:spTgt spid="4">
-                                            <p:txEl>
-                                              <p:pRg st="5" end="5"/>
                                             </p:txEl>
                                           </p:spTgt>
                                         </p:tgtEl>
